--- a/presentation.pptx
+++ b/presentation.pptx
@@ -132,7 +132,7 @@
 <file path=ppt/revisionInfo.xml><?xml version="1.0" encoding="utf-8"?>
 <p1510:revInfo xmlns:a="http://schemas.openxmlformats.org/drawingml/2006/main" xmlns:r="http://schemas.openxmlformats.org/officeDocument/2006/relationships" xmlns:p1510="http://schemas.microsoft.com/office/powerpoint/2015/10/main">
   <p1510:revLst>
-    <p1510:client id="{EC602427-A161-2641-BD92-250C47FFB2C1}" v="729" dt="2025-11-08T05:48:53.336"/>
+    <p1510:client id="{EC602427-A161-2641-BD92-250C47FFB2C1}" v="730" dt="2025-11-08T05:56:38.799"/>
   </p1510:revLst>
 </p1510:revInfo>
 </file>
@@ -142,7 +142,7 @@
   <pc:docChgLst>
     <pc:chgData name="久保　亘" userId="a62b1994-995d-4136-ab25-62794e67356e" providerId="ADAL" clId="{5F1A2787-42E5-59AC-BCDE-BCD285BF5B36}"/>
     <pc:docChg chg="undo custSel addSld delSld modSld sldOrd">
-      <pc:chgData name="久保　亘" userId="a62b1994-995d-4136-ab25-62794e67356e" providerId="ADAL" clId="{5F1A2787-42E5-59AC-BCDE-BCD285BF5B36}" dt="2025-11-08T05:52:20.390" v="5152" actId="2696"/>
+      <pc:chgData name="久保　亘" userId="a62b1994-995d-4136-ab25-62794e67356e" providerId="ADAL" clId="{5F1A2787-42E5-59AC-BCDE-BCD285BF5B36}" dt="2025-11-08T05:56:38.788" v="5153" actId="14826"/>
       <pc:docMkLst>
         <pc:docMk/>
       </pc:docMkLst>
@@ -938,7 +938,7 @@
         </pc:cxnChg>
       </pc:sldChg>
       <pc:sldChg chg="addSp modSp new mod">
-        <pc:chgData name="久保　亘" userId="a62b1994-995d-4136-ab25-62794e67356e" providerId="ADAL" clId="{5F1A2787-42E5-59AC-BCDE-BCD285BF5B36}" dt="2025-11-08T05:49:58.806" v="4997" actId="20577"/>
+        <pc:chgData name="久保　亘" userId="a62b1994-995d-4136-ab25-62794e67356e" providerId="ADAL" clId="{5F1A2787-42E5-59AC-BCDE-BCD285BF5B36}" dt="2025-11-08T05:56:38.788" v="5153" actId="14826"/>
         <pc:sldMkLst>
           <pc:docMk/>
           <pc:sldMk cId="1823997994" sldId="265"/>
@@ -1032,7 +1032,7 @@
           </ac:picMkLst>
         </pc:picChg>
         <pc:picChg chg="add mod">
-          <ac:chgData name="久保　亘" userId="a62b1994-995d-4136-ab25-62794e67356e" providerId="ADAL" clId="{5F1A2787-42E5-59AC-BCDE-BCD285BF5B36}" dt="2025-11-08T05:28:17.490" v="4102" actId="1076"/>
+          <ac:chgData name="久保　亘" userId="a62b1994-995d-4136-ab25-62794e67356e" providerId="ADAL" clId="{5F1A2787-42E5-59AC-BCDE-BCD285BF5B36}" dt="2025-11-08T05:56:38.788" v="5153" actId="14826"/>
           <ac:picMkLst>
             <pc:docMk/>
             <pc:sldMk cId="1823997994" sldId="265"/>
@@ -2158,7 +2158,7 @@
           <a:p>
             <a:fld id="{97F50F22-F7E5-9A42-AF58-F6675068B7ED}" type="datetimeFigureOut">
               <a:rPr kumimoji="1" lang="ja-JP" altLang="en-US" smtClean="0"/>
-              <a:t>2025/11/7</a:t>
+              <a:t>2025/11/8</a:t>
             </a:fld>
             <a:endParaRPr kumimoji="1" lang="ja-JP" altLang="en-US"/>
           </a:p>
@@ -2388,7 +2388,7 @@
           <a:p>
             <a:fld id="{97F50F22-F7E5-9A42-AF58-F6675068B7ED}" type="datetimeFigureOut">
               <a:rPr kumimoji="1" lang="ja-JP" altLang="en-US" smtClean="0"/>
-              <a:t>2025/11/7</a:t>
+              <a:t>2025/11/8</a:t>
             </a:fld>
             <a:endParaRPr kumimoji="1" lang="ja-JP" altLang="en-US"/>
           </a:p>
@@ -2628,7 +2628,7 @@
           <a:p>
             <a:fld id="{97F50F22-F7E5-9A42-AF58-F6675068B7ED}" type="datetimeFigureOut">
               <a:rPr kumimoji="1" lang="ja-JP" altLang="en-US" smtClean="0"/>
-              <a:t>2025/11/7</a:t>
+              <a:t>2025/11/8</a:t>
             </a:fld>
             <a:endParaRPr kumimoji="1" lang="ja-JP" altLang="en-US"/>
           </a:p>
@@ -2858,7 +2858,7 @@
           <a:p>
             <a:fld id="{97F50F22-F7E5-9A42-AF58-F6675068B7ED}" type="datetimeFigureOut">
               <a:rPr kumimoji="1" lang="ja-JP" altLang="en-US" smtClean="0"/>
-              <a:t>2025/11/7</a:t>
+              <a:t>2025/11/8</a:t>
             </a:fld>
             <a:endParaRPr kumimoji="1" lang="ja-JP" altLang="en-US"/>
           </a:p>
@@ -3133,7 +3133,7 @@
           <a:p>
             <a:fld id="{97F50F22-F7E5-9A42-AF58-F6675068B7ED}" type="datetimeFigureOut">
               <a:rPr kumimoji="1" lang="ja-JP" altLang="en-US" smtClean="0"/>
-              <a:t>2025/11/7</a:t>
+              <a:t>2025/11/8</a:t>
             </a:fld>
             <a:endParaRPr kumimoji="1" lang="ja-JP" altLang="en-US"/>
           </a:p>
@@ -3462,7 +3462,7 @@
           <a:p>
             <a:fld id="{97F50F22-F7E5-9A42-AF58-F6675068B7ED}" type="datetimeFigureOut">
               <a:rPr kumimoji="1" lang="ja-JP" altLang="en-US" smtClean="0"/>
-              <a:t>2025/11/7</a:t>
+              <a:t>2025/11/8</a:t>
             </a:fld>
             <a:endParaRPr kumimoji="1" lang="ja-JP" altLang="en-US"/>
           </a:p>
@@ -3938,7 +3938,7 @@
           <a:p>
             <a:fld id="{97F50F22-F7E5-9A42-AF58-F6675068B7ED}" type="datetimeFigureOut">
               <a:rPr kumimoji="1" lang="ja-JP" altLang="en-US" smtClean="0"/>
-              <a:t>2025/11/7</a:t>
+              <a:t>2025/11/8</a:t>
             </a:fld>
             <a:endParaRPr kumimoji="1" lang="ja-JP" altLang="en-US"/>
           </a:p>
@@ -4079,7 +4079,7 @@
           <a:p>
             <a:fld id="{97F50F22-F7E5-9A42-AF58-F6675068B7ED}" type="datetimeFigureOut">
               <a:rPr kumimoji="1" lang="ja-JP" altLang="en-US" smtClean="0"/>
-              <a:t>2025/11/7</a:t>
+              <a:t>2025/11/8</a:t>
             </a:fld>
             <a:endParaRPr kumimoji="1" lang="ja-JP" altLang="en-US"/>
           </a:p>
@@ -4192,7 +4192,7 @@
           <a:p>
             <a:fld id="{97F50F22-F7E5-9A42-AF58-F6675068B7ED}" type="datetimeFigureOut">
               <a:rPr kumimoji="1" lang="ja-JP" altLang="en-US" smtClean="0"/>
-              <a:t>2025/11/7</a:t>
+              <a:t>2025/11/8</a:t>
             </a:fld>
             <a:endParaRPr kumimoji="1" lang="ja-JP" altLang="en-US"/>
           </a:p>
@@ -4535,7 +4535,7 @@
           <a:p>
             <a:fld id="{97F50F22-F7E5-9A42-AF58-F6675068B7ED}" type="datetimeFigureOut">
               <a:rPr kumimoji="1" lang="ja-JP" altLang="en-US" smtClean="0"/>
-              <a:t>2025/11/7</a:t>
+              <a:t>2025/11/8</a:t>
             </a:fld>
             <a:endParaRPr kumimoji="1" lang="ja-JP" altLang="en-US"/>
           </a:p>
@@ -4823,7 +4823,7 @@
           <a:p>
             <a:fld id="{97F50F22-F7E5-9A42-AF58-F6675068B7ED}" type="datetimeFigureOut">
               <a:rPr kumimoji="1" lang="ja-JP" altLang="en-US" smtClean="0"/>
-              <a:t>2025/11/7</a:t>
+              <a:t>2025/11/8</a:t>
             </a:fld>
             <a:endParaRPr kumimoji="1" lang="ja-JP" altLang="en-US"/>
           </a:p>
@@ -5096,7 +5096,7 @@
           <a:p>
             <a:fld id="{97F50F22-F7E5-9A42-AF58-F6675068B7ED}" type="datetimeFigureOut">
               <a:rPr kumimoji="1" lang="ja-JP" altLang="en-US" smtClean="0"/>
-              <a:t>2025/11/7</a:t>
+              <a:t>2025/11/8</a:t>
             </a:fld>
             <a:endParaRPr kumimoji="1" lang="ja-JP" altLang="en-US"/>
           </a:p>
@@ -6003,8 +6003,8 @@
           </a:extLst>
         </p:spPr>
       </p:pic>
-      <mc:AlternateContent xmlns:mc="http://schemas.openxmlformats.org/markup-compatibility/2006">
-        <mc:Choice xmlns:a14="http://schemas.microsoft.com/office/drawing/2010/main" Requires="a14">
+      <mc:AlternateContent xmlns:mc="http://schemas.openxmlformats.org/markup-compatibility/2006" xmlns:a14="http://schemas.microsoft.com/office/drawing/2010/main">
+        <mc:Choice Requires="a14">
           <p:sp>
             <p:nvSpPr>
               <p:cNvPr id="16" name="テキスト ボックス 15">
@@ -6051,7 +6051,7 @@
             </p:txBody>
           </p:sp>
         </mc:Choice>
-        <mc:Fallback>
+        <mc:Fallback xmlns="">
           <p:sp>
             <p:nvSpPr>
               <p:cNvPr id="16" name="テキスト ボックス 15">
@@ -6096,8 +6096,8 @@
           </p:sp>
         </mc:Fallback>
       </mc:AlternateContent>
-      <mc:AlternateContent xmlns:mc="http://schemas.openxmlformats.org/markup-compatibility/2006">
-        <mc:Choice xmlns:a14="http://schemas.microsoft.com/office/drawing/2010/main" Requires="a14">
+      <mc:AlternateContent xmlns:mc="http://schemas.openxmlformats.org/markup-compatibility/2006" xmlns:a14="http://schemas.microsoft.com/office/drawing/2010/main">
+        <mc:Choice Requires="a14">
           <p:sp>
             <p:nvSpPr>
               <p:cNvPr id="17" name="テキスト ボックス 16">
@@ -6144,7 +6144,7 @@
             </p:txBody>
           </p:sp>
         </mc:Choice>
-        <mc:Fallback>
+        <mc:Fallback xmlns="">
           <p:sp>
             <p:nvSpPr>
               <p:cNvPr id="17" name="テキスト ボックス 16">
@@ -6426,8 +6426,8 @@
           </a:p>
         </p:txBody>
       </p:sp>
-      <mc:AlternateContent xmlns:mc="http://schemas.openxmlformats.org/markup-compatibility/2006">
-        <mc:Choice xmlns:a14="http://schemas.microsoft.com/office/drawing/2010/main" Requires="a14">
+      <mc:AlternateContent xmlns:mc="http://schemas.openxmlformats.org/markup-compatibility/2006" xmlns:a14="http://schemas.microsoft.com/office/drawing/2010/main">
+        <mc:Choice Requires="a14">
           <p:sp>
             <p:nvSpPr>
               <p:cNvPr id="28" name="テキスト ボックス 27">
@@ -6474,7 +6474,7 @@
             </p:txBody>
           </p:sp>
         </mc:Choice>
-        <mc:Fallback>
+        <mc:Fallback xmlns="">
           <p:sp>
             <p:nvSpPr>
               <p:cNvPr id="28" name="テキスト ボックス 27">
@@ -6519,8 +6519,8 @@
           </p:sp>
         </mc:Fallback>
       </mc:AlternateContent>
-      <mc:AlternateContent xmlns:mc="http://schemas.openxmlformats.org/markup-compatibility/2006">
-        <mc:Choice xmlns:a14="http://schemas.microsoft.com/office/drawing/2010/main" Requires="a14">
+      <mc:AlternateContent xmlns:mc="http://schemas.openxmlformats.org/markup-compatibility/2006" xmlns:a14="http://schemas.microsoft.com/office/drawing/2010/main">
+        <mc:Choice Requires="a14">
           <p:sp>
             <p:nvSpPr>
               <p:cNvPr id="29" name="テキスト ボックス 28">
@@ -6567,7 +6567,7 @@
             </p:txBody>
           </p:sp>
         </mc:Choice>
-        <mc:Fallback>
+        <mc:Fallback xmlns="">
           <p:sp>
             <p:nvSpPr>
               <p:cNvPr id="29" name="テキスト ボックス 28">
@@ -7260,8 +7260,8 @@
           <a:chExt cx="0" cy="0"/>
         </a:xfrm>
       </p:grpSpPr>
-      <mc:AlternateContent xmlns:mc="http://schemas.openxmlformats.org/markup-compatibility/2006">
-        <mc:Choice xmlns:a14="http://schemas.microsoft.com/office/drawing/2010/main" Requires="a14">
+      <mc:AlternateContent xmlns:mc="http://schemas.openxmlformats.org/markup-compatibility/2006" xmlns:a14="http://schemas.microsoft.com/office/drawing/2010/main">
+        <mc:Choice Requires="a14">
           <p:sp>
             <p:nvSpPr>
               <p:cNvPr id="2" name="タイトル 1">
@@ -7312,7 +7312,7 @@
             </p:txBody>
           </p:sp>
         </mc:Choice>
-        <mc:Fallback>
+        <mc:Fallback xmlns="">
           <p:sp>
             <p:nvSpPr>
               <p:cNvPr id="2" name="タイトル 1">
@@ -7387,8 +7387,8 @@
           </a:prstGeom>
         </p:spPr>
       </p:pic>
-      <mc:AlternateContent xmlns:mc="http://schemas.openxmlformats.org/markup-compatibility/2006">
-        <mc:Choice xmlns:a14="http://schemas.microsoft.com/office/drawing/2010/main" Requires="a14">
+      <mc:AlternateContent xmlns:mc="http://schemas.openxmlformats.org/markup-compatibility/2006" xmlns:a14="http://schemas.microsoft.com/office/drawing/2010/main">
+        <mc:Choice Requires="a14">
           <p:sp>
             <p:nvSpPr>
               <p:cNvPr id="3" name="コンテンツ プレースホルダー 2">
@@ -7583,7 +7583,7 @@
             </p:txBody>
           </p:sp>
         </mc:Choice>
-        <mc:Fallback>
+        <mc:Fallback xmlns="">
           <p:sp>
             <p:nvSpPr>
               <p:cNvPr id="3" name="コンテンツ プレースホルダー 2">
@@ -7904,8 +7904,8 @@
           </a:p>
         </p:txBody>
       </p:sp>
-      <mc:AlternateContent xmlns:mc="http://schemas.openxmlformats.org/markup-compatibility/2006">
-        <mc:Choice xmlns:a14="http://schemas.microsoft.com/office/drawing/2010/main" Requires="a14">
+      <mc:AlternateContent xmlns:mc="http://schemas.openxmlformats.org/markup-compatibility/2006" xmlns:a14="http://schemas.microsoft.com/office/drawing/2010/main">
+        <mc:Choice Requires="a14">
           <p:sp>
             <p:nvSpPr>
               <p:cNvPr id="15" name="テキスト ボックス 14">
@@ -7934,6 +7934,7 @@
               </a:bodyPr>
               <a:lstStyle/>
               <a:p>
+                <a:pPr/>
                 <a14:m>
                   <m:oMathPara xmlns:m="http://schemas.openxmlformats.org/officeDocument/2006/math">
                     <m:oMathParaPr>
@@ -7995,7 +7996,7 @@
             </p:txBody>
           </p:sp>
         </mc:Choice>
-        <mc:Fallback>
+        <mc:Fallback xmlns="">
           <p:sp>
             <p:nvSpPr>
               <p:cNvPr id="15" name="テキスト ボックス 14">
@@ -11651,8 +11652,8 @@
             </p:sp>
           </mc:Fallback>
         </mc:AlternateContent>
-        <mc:AlternateContent xmlns:mc="http://schemas.openxmlformats.org/markup-compatibility/2006">
-          <mc:Choice xmlns:a14="http://schemas.microsoft.com/office/drawing/2010/main" Requires="a14">
+        <mc:AlternateContent xmlns:mc="http://schemas.openxmlformats.org/markup-compatibility/2006" xmlns:a14="http://schemas.microsoft.com/office/drawing/2010/main">
+          <mc:Choice Requires="a14">
             <p:sp>
               <p:nvSpPr>
                 <p:cNvPr id="9" name="テキスト ボックス 8">
@@ -11810,7 +11811,7 @@
               </p:txBody>
             </p:sp>
           </mc:Choice>
-          <mc:Fallback>
+          <mc:Fallback xmlns="">
             <p:sp>
               <p:nvSpPr>
                 <p:cNvPr id="9" name="テキスト ボックス 8">
@@ -11855,8 +11856,8 @@
             </p:sp>
           </mc:Fallback>
         </mc:AlternateContent>
-        <mc:AlternateContent xmlns:mc="http://schemas.openxmlformats.org/markup-compatibility/2006">
-          <mc:Choice xmlns:a14="http://schemas.microsoft.com/office/drawing/2010/main" Requires="a14">
+        <mc:AlternateContent xmlns:mc="http://schemas.openxmlformats.org/markup-compatibility/2006" xmlns:a14="http://schemas.microsoft.com/office/drawing/2010/main">
+          <mc:Choice Requires="a14">
             <p:sp>
               <p:nvSpPr>
                 <p:cNvPr id="10" name="テキスト ボックス 9">
@@ -11885,6 +11886,7 @@
                 </a:bodyPr>
                 <a:lstStyle/>
                 <a:p>
+                  <a:pPr/>
                   <a14:m>
                     <m:oMathPara xmlns:m="http://schemas.openxmlformats.org/officeDocument/2006/math">
                       <m:oMathParaPr>
@@ -12013,7 +12015,7 @@
               </p:txBody>
             </p:sp>
           </mc:Choice>
-          <mc:Fallback>
+          <mc:Fallback xmlns="">
             <p:sp>
               <p:nvSpPr>
                 <p:cNvPr id="10" name="テキスト ボックス 9">
@@ -12665,8 +12667,8 @@
           </a:p>
         </p:txBody>
       </p:sp>
-      <mc:AlternateContent xmlns:mc="http://schemas.openxmlformats.org/markup-compatibility/2006">
-        <mc:Choice xmlns:a14="http://schemas.microsoft.com/office/drawing/2010/main" Requires="a14">
+      <mc:AlternateContent xmlns:mc="http://schemas.openxmlformats.org/markup-compatibility/2006" xmlns:a14="http://schemas.microsoft.com/office/drawing/2010/main">
+        <mc:Choice Requires="a14">
           <p:sp>
             <p:nvSpPr>
               <p:cNvPr id="8" name="テキスト ボックス 7">
@@ -12735,7 +12737,7 @@
             </p:txBody>
           </p:sp>
         </mc:Choice>
-        <mc:Fallback>
+        <mc:Fallback xmlns="">
           <p:sp>
             <p:nvSpPr>
               <p:cNvPr id="8" name="テキスト ボックス 7">
@@ -13771,8 +13773,8 @@
           </a:xfrm>
         </p:spPr>
       </p:pic>
-      <mc:AlternateContent xmlns:mc="http://schemas.openxmlformats.org/markup-compatibility/2006">
-        <mc:Choice xmlns:a14="http://schemas.microsoft.com/office/drawing/2010/main" Requires="a14">
+      <mc:AlternateContent xmlns:mc="http://schemas.openxmlformats.org/markup-compatibility/2006" xmlns:a14="http://schemas.microsoft.com/office/drawing/2010/main">
+        <mc:Choice Requires="a14">
           <p:sp>
             <p:nvSpPr>
               <p:cNvPr id="8" name="テキスト ボックス 7">
@@ -13868,7 +13870,7 @@
             </p:txBody>
           </p:sp>
         </mc:Choice>
-        <mc:Fallback>
+        <mc:Fallback xmlns="">
           <p:sp>
             <p:nvSpPr>
               <p:cNvPr id="8" name="テキスト ボックス 7">
@@ -13944,8 +13946,8 @@
           </a:prstGeom>
         </p:spPr>
       </p:pic>
-      <mc:AlternateContent xmlns:mc="http://schemas.openxmlformats.org/markup-compatibility/2006">
-        <mc:Choice xmlns:a14="http://schemas.microsoft.com/office/drawing/2010/main" Requires="a14">
+      <mc:AlternateContent xmlns:mc="http://schemas.openxmlformats.org/markup-compatibility/2006" xmlns:a14="http://schemas.microsoft.com/office/drawing/2010/main">
+        <mc:Choice Requires="a14">
           <p:sp>
             <p:nvSpPr>
               <p:cNvPr id="12" name="テキスト ボックス 11">
@@ -13997,7 +13999,7 @@
             </p:txBody>
           </p:sp>
         </mc:Choice>
-        <mc:Fallback>
+        <mc:Fallback xmlns="">
           <p:sp>
             <p:nvSpPr>
               <p:cNvPr id="12" name="テキスト ボックス 11">
@@ -14106,8 +14108,8 @@
           </a:p>
         </p:txBody>
       </p:sp>
-      <mc:AlternateContent xmlns:mc="http://schemas.openxmlformats.org/markup-compatibility/2006">
-        <mc:Choice xmlns:a14="http://schemas.microsoft.com/office/drawing/2010/main" Requires="a14">
+      <mc:AlternateContent xmlns:mc="http://schemas.openxmlformats.org/markup-compatibility/2006" xmlns:a14="http://schemas.microsoft.com/office/drawing/2010/main">
+        <mc:Choice Requires="a14">
           <p:sp>
             <p:nvSpPr>
               <p:cNvPr id="14" name="テキスト ボックス 13">
@@ -14315,7 +14317,7 @@
             </p:txBody>
           </p:sp>
         </mc:Choice>
-        <mc:Fallback>
+        <mc:Fallback xmlns="">
           <p:sp>
             <p:nvSpPr>
               <p:cNvPr id="14" name="テキスト ボックス 13">
@@ -14360,8 +14362,8 @@
           </p:sp>
         </mc:Fallback>
       </mc:AlternateContent>
-      <mc:AlternateContent xmlns:mc="http://schemas.openxmlformats.org/markup-compatibility/2006">
-        <mc:Choice xmlns:a14="http://schemas.microsoft.com/office/drawing/2010/main" Requires="a14">
+      <mc:AlternateContent xmlns:mc="http://schemas.openxmlformats.org/markup-compatibility/2006" xmlns:a14="http://schemas.microsoft.com/office/drawing/2010/main">
+        <mc:Choice Requires="a14">
           <p:sp>
             <p:nvSpPr>
               <p:cNvPr id="17" name="テキスト ボックス 16">
@@ -14683,7 +14685,7 @@
             </p:txBody>
           </p:sp>
         </mc:Choice>
-        <mc:Fallback>
+        <mc:Fallback xmlns="">
           <p:sp>
             <p:nvSpPr>
               <p:cNvPr id="17" name="テキスト ボックス 16">
@@ -14728,8 +14730,8 @@
           </p:sp>
         </mc:Fallback>
       </mc:AlternateContent>
-      <mc:AlternateContent xmlns:mc="http://schemas.openxmlformats.org/markup-compatibility/2006">
-        <mc:Choice xmlns:a14="http://schemas.microsoft.com/office/drawing/2010/main" Requires="a14">
+      <mc:AlternateContent xmlns:mc="http://schemas.openxmlformats.org/markup-compatibility/2006" xmlns:a14="http://schemas.microsoft.com/office/drawing/2010/main">
+        <mc:Choice Requires="a14">
           <p:sp>
             <p:nvSpPr>
               <p:cNvPr id="18" name="テキスト ボックス 17">
@@ -14874,7 +14876,7 @@
             </p:txBody>
           </p:sp>
         </mc:Choice>
-        <mc:Fallback>
+        <mc:Fallback xmlns="">
           <p:sp>
             <p:nvSpPr>
               <p:cNvPr id="18" name="テキスト ボックス 17">
@@ -15098,8 +15100,8 @@
           </a:p>
         </p:txBody>
       </p:sp>
-      <mc:AlternateContent xmlns:mc="http://schemas.openxmlformats.org/markup-compatibility/2006">
-        <mc:Choice xmlns:a14="http://schemas.microsoft.com/office/drawing/2010/main" Requires="a14">
+      <mc:AlternateContent xmlns:mc="http://schemas.openxmlformats.org/markup-compatibility/2006" xmlns:a14="http://schemas.microsoft.com/office/drawing/2010/main">
+        <mc:Choice Requires="a14">
           <p:sp>
             <p:nvSpPr>
               <p:cNvPr id="3" name="コンテンツ プレースホルダー 2">
@@ -15456,7 +15458,7 @@
             </p:txBody>
           </p:sp>
         </mc:Choice>
-        <mc:Fallback>
+        <mc:Fallback xmlns="">
           <p:sp>
             <p:nvSpPr>
               <p:cNvPr id="3" name="コンテンツ プレースホルダー 2">
@@ -15713,8 +15715,8 @@
           </p:spPr>
         </p:pic>
       </p:grpSp>
-      <mc:AlternateContent xmlns:mc="http://schemas.openxmlformats.org/markup-compatibility/2006">
-        <mc:Choice xmlns:a14="http://schemas.microsoft.com/office/drawing/2010/main" Requires="a14">
+      <mc:AlternateContent xmlns:mc="http://schemas.openxmlformats.org/markup-compatibility/2006" xmlns:a14="http://schemas.microsoft.com/office/drawing/2010/main">
+        <mc:Choice Requires="a14">
           <p:sp>
             <p:nvSpPr>
               <p:cNvPr id="10" name="テキスト ボックス 9">
@@ -15904,7 +15906,7 @@
             </p:txBody>
           </p:sp>
         </mc:Choice>
-        <mc:Fallback>
+        <mc:Fallback xmlns="">
           <p:sp>
             <p:nvSpPr>
               <p:cNvPr id="10" name="テキスト ボックス 9">
@@ -16246,8 +16248,8 @@
           </a:prstGeom>
         </p:spPr>
       </p:pic>
-      <mc:AlternateContent xmlns:mc="http://schemas.openxmlformats.org/markup-compatibility/2006">
-        <mc:Choice xmlns:a14="http://schemas.microsoft.com/office/drawing/2010/main" Requires="a14">
+      <mc:AlternateContent xmlns:mc="http://schemas.openxmlformats.org/markup-compatibility/2006" xmlns:a14="http://schemas.microsoft.com/office/drawing/2010/main">
+        <mc:Choice Requires="a14">
           <p:sp>
             <p:nvSpPr>
               <p:cNvPr id="9" name="テキスト ボックス 8">
@@ -16276,7 +16278,6 @@
               </a:bodyPr>
               <a:lstStyle/>
               <a:p>
-                <a:pPr/>
                 <a14:m>
                   <m:oMath xmlns:m="http://schemas.openxmlformats.org/officeDocument/2006/math">
                     <m:r>
@@ -16548,7 +16549,7 @@
             </p:txBody>
           </p:sp>
         </mc:Choice>
-        <mc:Fallback>
+        <mc:Fallback xmlns="">
           <p:sp>
             <p:nvSpPr>
               <p:cNvPr id="9" name="テキスト ボックス 8">
@@ -16593,8 +16594,8 @@
           </p:sp>
         </mc:Fallback>
       </mc:AlternateContent>
-      <mc:AlternateContent xmlns:mc="http://schemas.openxmlformats.org/markup-compatibility/2006">
-        <mc:Choice xmlns:a14="http://schemas.microsoft.com/office/drawing/2010/main" Requires="a14">
+      <mc:AlternateContent xmlns:mc="http://schemas.openxmlformats.org/markup-compatibility/2006" xmlns:a14="http://schemas.microsoft.com/office/drawing/2010/main">
+        <mc:Choice Requires="a14">
           <p:sp>
             <p:nvSpPr>
               <p:cNvPr id="10" name="テキスト ボックス 9">
@@ -16623,7 +16624,6 @@
               </a:bodyPr>
               <a:lstStyle/>
               <a:p>
-                <a:pPr/>
                 <a14:m>
                   <m:oMath xmlns:m="http://schemas.openxmlformats.org/officeDocument/2006/math">
                     <m:r>
@@ -16648,7 +16648,7 @@
             </p:txBody>
           </p:sp>
         </mc:Choice>
-        <mc:Fallback>
+        <mc:Fallback xmlns="">
           <p:sp>
             <p:nvSpPr>
               <p:cNvPr id="10" name="テキスト ボックス 9">
@@ -17531,22 +17531,14 @@
           <p:nvPr/>
         </p:nvPicPr>
         <p:blipFill>
-          <a:blip r:embed="rId3">
-            <a:extLst>
-              <a:ext uri="{28A0092B-C50C-407E-A947-70E740481C1C}">
-                <a14:useLocalDpi xmlns:a14="http://schemas.microsoft.com/office/drawing/2010/main" val="0"/>
-              </a:ext>
-            </a:extLst>
-          </a:blip>
+          <a:blip r:embed="rId3"/>
           <a:srcRect/>
-          <a:stretch>
-            <a:fillRect/>
-          </a:stretch>
+          <a:stretch/>
         </p:blipFill>
         <p:spPr bwMode="auto">
           <a:xfrm>
-            <a:off x="498236" y="1367586"/>
-            <a:ext cx="5472113" cy="3429000"/>
+            <a:off x="552163" y="1367586"/>
+            <a:ext cx="5364259" cy="3429000"/>
           </a:xfrm>
           <a:prstGeom prst="rect">
             <a:avLst/>
@@ -18220,8 +18212,8 @@
           </a:p>
         </p:txBody>
       </p:sp>
-      <mc:AlternateContent xmlns:mc="http://schemas.openxmlformats.org/markup-compatibility/2006">
-        <mc:Choice xmlns:a14="http://schemas.microsoft.com/office/drawing/2010/main" Requires="a14">
+      <mc:AlternateContent xmlns:mc="http://schemas.openxmlformats.org/markup-compatibility/2006" xmlns:a14="http://schemas.microsoft.com/office/drawing/2010/main">
+        <mc:Choice Requires="a14">
           <p:sp>
             <p:nvSpPr>
               <p:cNvPr id="14" name="コンテンツ プレースホルダー 2">
@@ -18609,7 +18601,7 @@
             </p:txBody>
           </p:sp>
         </mc:Choice>
-        <mc:Fallback>
+        <mc:Fallback xmlns="">
           <p:sp>
             <p:nvSpPr>
               <p:cNvPr id="14" name="コンテンツ プレースホルダー 2">

--- a/presentation.pptx
+++ b/presentation.pptx
@@ -142,7 +142,7 @@
   <pc:docChgLst>
     <pc:chgData name="久保　亘" userId="a62b1994-995d-4136-ab25-62794e67356e" providerId="ADAL" clId="{5F1A2787-42E5-59AC-BCDE-BCD285BF5B36}"/>
     <pc:docChg chg="undo custSel addSld delSld modSld sldOrd">
-      <pc:chgData name="久保　亘" userId="a62b1994-995d-4136-ab25-62794e67356e" providerId="ADAL" clId="{5F1A2787-42E5-59AC-BCDE-BCD285BF5B36}" dt="2025-11-08T05:56:38.788" v="5153" actId="14826"/>
+      <pc:chgData name="久保　亘" userId="a62b1994-995d-4136-ab25-62794e67356e" providerId="ADAL" clId="{5F1A2787-42E5-59AC-BCDE-BCD285BF5B36}" dt="2025-11-08T05:58:46.618" v="5213" actId="1076"/>
       <pc:docMkLst>
         <pc:docMk/>
       </pc:docMkLst>
@@ -938,7 +938,7 @@
         </pc:cxnChg>
       </pc:sldChg>
       <pc:sldChg chg="addSp modSp new mod">
-        <pc:chgData name="久保　亘" userId="a62b1994-995d-4136-ab25-62794e67356e" providerId="ADAL" clId="{5F1A2787-42E5-59AC-BCDE-BCD285BF5B36}" dt="2025-11-08T05:56:38.788" v="5153" actId="14826"/>
+        <pc:chgData name="久保　亘" userId="a62b1994-995d-4136-ab25-62794e67356e" providerId="ADAL" clId="{5F1A2787-42E5-59AC-BCDE-BCD285BF5B36}" dt="2025-11-08T05:58:46.618" v="5213" actId="1076"/>
         <pc:sldMkLst>
           <pc:docMk/>
           <pc:sldMk cId="1823997994" sldId="265"/>
@@ -1000,7 +1000,7 @@
           </ac:spMkLst>
         </pc:spChg>
         <pc:spChg chg="add mod">
-          <ac:chgData name="久保　亘" userId="a62b1994-995d-4136-ab25-62794e67356e" providerId="ADAL" clId="{5F1A2787-42E5-59AC-BCDE-BCD285BF5B36}" dt="2025-11-08T05:31:45.192" v="4279" actId="14100"/>
+          <ac:chgData name="久保　亘" userId="a62b1994-995d-4136-ab25-62794e67356e" providerId="ADAL" clId="{5F1A2787-42E5-59AC-BCDE-BCD285BF5B36}" dt="2025-11-08T05:58:46.618" v="5213" actId="1076"/>
           <ac:spMkLst>
             <pc:docMk/>
             <pc:sldMk cId="1823997994" sldId="265"/>
@@ -17313,7 +17313,7 @@
         </p:nvSpPr>
         <p:spPr>
           <a:xfrm>
-            <a:off x="349599" y="5502621"/>
+            <a:off x="622095" y="5289037"/>
             <a:ext cx="5305478" cy="1813890"/>
           </a:xfrm>
           <a:prstGeom prst="rect">
@@ -17490,6 +17490,10 @@
           </a:lstStyle>
           <a:p>
             <a:r>
+              <a:rPr lang="ja-JP" altLang="en-US" sz="2400"/>
+              <a:t>量子ビット数が少ないため、</a:t>
+            </a:r>
+            <a:r>
               <a:rPr lang="en-US" altLang="ja-JP" sz="2400" dirty="0"/>
               <a:t>CST</a:t>
             </a:r>
@@ -17511,7 +17515,7 @@
             </a:r>
             <a:r>
               <a:rPr lang="ja-JP" altLang="en-US" sz="2400"/>
-              <a:t>の期待値の推定分散を達成している</a:t>
+              <a:t>の期待値の推定分散を達成できていない</a:t>
             </a:r>
           </a:p>
         </p:txBody>
